--- a/1-2 Web App in the Market Places.pptx
+++ b/1-2 Web App in the Market Places.pptx
@@ -2816,7 +2816,7 @@
           <a:p>
             <a:fld id="{82604E9E-60DE-417E-849E-2CDE7F357628}" type="datetimeFigureOut">
               <a:rPr lang="en-US" smtClean="0"/>
-              <a:t>7/31/2017</a:t>
+              <a:t>8/1/2017</a:t>
             </a:fld>
             <a:endParaRPr lang="en-US"/>
           </a:p>
@@ -3842,7 +3842,7 @@
           <a:p>
             <a:fld id="{0D913C1F-5111-45C8-8646-4E60C4FCFD33}" type="datetime1">
               <a:rPr lang="en-US" smtClean="0"/>
-              <a:t>7/31/2017</a:t>
+              <a:t>8/1/2017</a:t>
             </a:fld>
             <a:endParaRPr lang="en-US"/>
           </a:p>
@@ -4017,7 +4017,7 @@
           <a:p>
             <a:fld id="{D3A57730-C926-45F0-9361-C8E6CC7EFAB1}" type="datetime1">
               <a:rPr lang="en-US" smtClean="0"/>
-              <a:t>7/31/2017</a:t>
+              <a:t>8/1/2017</a:t>
             </a:fld>
             <a:endParaRPr lang="en-US"/>
           </a:p>
@@ -4197,7 +4197,7 @@
           <a:p>
             <a:fld id="{72F94769-6EA4-484E-8E33-A5D2CCD7F3B4}" type="datetime1">
               <a:rPr lang="en-US" smtClean="0"/>
-              <a:t>7/31/2017</a:t>
+              <a:t>8/1/2017</a:t>
             </a:fld>
             <a:endParaRPr lang="en-US"/>
           </a:p>
@@ -4367,7 +4367,7 @@
           <a:p>
             <a:fld id="{875CDD8C-CF5A-4DB3-98F8-3A2639B39FE9}" type="datetime1">
               <a:rPr lang="en-US" smtClean="0"/>
-              <a:t>7/31/2017</a:t>
+              <a:t>8/1/2017</a:t>
             </a:fld>
             <a:endParaRPr lang="en-US"/>
           </a:p>
@@ -4635,7 +4635,7 @@
           <a:p>
             <a:fld id="{73567B6B-69B5-4721-8DDE-4EEC9B6DCE0D}" type="datetime1">
               <a:rPr lang="en-US" smtClean="0"/>
-              <a:t>7/31/2017</a:t>
+              <a:t>8/1/2017</a:t>
             </a:fld>
             <a:endParaRPr lang="en-US"/>
           </a:p>
@@ -4867,7 +4867,7 @@
           <a:p>
             <a:fld id="{98DD2B97-22CE-4922-9B75-1DD88489AFD6}" type="datetime1">
               <a:rPr lang="en-US" smtClean="0"/>
-              <a:t>7/31/2017</a:t>
+              <a:t>8/1/2017</a:t>
             </a:fld>
             <a:endParaRPr lang="en-US"/>
           </a:p>
@@ -5226,7 +5226,7 @@
           <a:p>
             <a:fld id="{71335CB9-B160-4C99-9B3C-64E62B2B8AA1}" type="datetime1">
               <a:rPr lang="en-US" smtClean="0"/>
-              <a:t>7/31/2017</a:t>
+              <a:t>8/1/2017</a:t>
             </a:fld>
             <a:endParaRPr lang="en-US"/>
           </a:p>
@@ -5367,7 +5367,7 @@
           <a:p>
             <a:fld id="{AB5FD2A9-980D-4792-8107-6837CF22CACC}" type="datetime1">
               <a:rPr lang="en-US" smtClean="0"/>
-              <a:t>7/31/2017</a:t>
+              <a:t>8/1/2017</a:t>
             </a:fld>
             <a:endParaRPr lang="en-US"/>
           </a:p>
@@ -5462,7 +5462,7 @@
           <a:p>
             <a:fld id="{AE49ADA3-5F6C-44F2-923F-B96DDB41268F}" type="datetime1">
               <a:rPr lang="en-US" smtClean="0"/>
-              <a:t>7/31/2017</a:t>
+              <a:t>8/1/2017</a:t>
             </a:fld>
             <a:endParaRPr lang="en-US"/>
           </a:p>
@@ -5819,7 +5819,7 @@
           <a:p>
             <a:fld id="{CD641920-CFA1-454E-AD47-3EEEB5605BD0}" type="datetime1">
               <a:rPr lang="en-US" smtClean="0"/>
-              <a:t>7/31/2017</a:t>
+              <a:t>8/1/2017</a:t>
             </a:fld>
             <a:endParaRPr lang="en-US"/>
           </a:p>
@@ -6176,7 +6176,7 @@
           <a:p>
             <a:fld id="{F3A5C466-8A77-4A43-A9E6-B875AC354BDD}" type="datetime1">
               <a:rPr lang="en-US" smtClean="0"/>
-              <a:t>7/31/2017</a:t>
+              <a:t>8/1/2017</a:t>
             </a:fld>
             <a:endParaRPr lang="en-US"/>
           </a:p>
@@ -6417,7 +6417,7 @@
           <a:p>
             <a:fld id="{8C1F079E-EE37-4F70-8A6F-71D0624FBE44}" type="datetime1">
               <a:rPr lang="en-US" smtClean="0"/>
-              <a:t>7/31/2017</a:t>
+              <a:t>8/1/2017</a:t>
             </a:fld>
             <a:endParaRPr lang="en-US"/>
           </a:p>
@@ -6907,11 +6907,15 @@
               <a:t>ChatBot</a:t>
             </a:r>
             <a:br>
+              <a:rPr lang="en-US"/>
+            </a:br>
+            <a:r>
+              <a:rPr lang="en-US"/>
+              <a:t>1-2 </a:t>
+            </a:r>
+            <a:r>
               <a:rPr lang="en-US" dirty="0"/>
-            </a:br>
-            <a:r>
-              <a:rPr lang="en-US" dirty="0"/>
-              <a:t>2-1 Web App in the Market Places</a:t>
+              <a:t>Web App in the Market Places</a:t>
             </a:r>
           </a:p>
         </p:txBody>
@@ -7934,7 +7938,7 @@
         </p:nvSpPr>
         <p:spPr>
           <a:xfrm>
-            <a:off x="804672" y="978776"/>
+            <a:off x="3133345" y="625208"/>
             <a:ext cx="5925310" cy="1174991"/>
           </a:xfrm>
         </p:spPr>
@@ -7969,7 +7973,7 @@
         </p:nvSpPr>
         <p:spPr>
           <a:xfrm>
-            <a:off x="804672" y="2640692"/>
+            <a:off x="3133345" y="2604116"/>
             <a:ext cx="5925310" cy="3255252"/>
           </a:xfrm>
         </p:spPr>

--- a/1-2 Web App in the Market Places.pptx
+++ b/1-2 Web App in the Market Places.pptx
@@ -7973,7 +7973,7 @@
         </p:nvSpPr>
         <p:spPr>
           <a:xfrm>
-            <a:off x="3133345" y="2604116"/>
+            <a:off x="6266690" y="2628500"/>
             <a:ext cx="5925310" cy="3255252"/>
           </a:xfrm>
         </p:spPr>
@@ -8078,6 +8078,163 @@
               <a:t>5</a:t>
             </a:fld>
             <a:endParaRPr lang="en-US" dirty="0"/>
+          </a:p>
+        </p:txBody>
+      </p:sp>
+      <p:sp>
+        <p:nvSpPr>
+          <p:cNvPr id="4" name="직사각형 3">
+            <a:extLst>
+              <a:ext uri="{FF2B5EF4-FFF2-40B4-BE49-F238E27FC236}">
+                <a16:creationId xmlns:a16="http://schemas.microsoft.com/office/drawing/2014/main" id="{39B7BE64-80D5-4AC1-A161-AC49E188D2BA}"/>
+              </a:ext>
+            </a:extLst>
+          </p:cNvPr>
+          <p:cNvSpPr/>
+          <p:nvPr/>
+        </p:nvSpPr>
+        <p:spPr>
+          <a:xfrm>
+            <a:off x="475488" y="2746909"/>
+            <a:ext cx="6096000" cy="2308324"/>
+          </a:xfrm>
+          <a:prstGeom prst="rect">
+            <a:avLst/>
+          </a:prstGeom>
+        </p:spPr>
+        <p:txBody>
+          <a:bodyPr>
+            <a:spAutoFit/>
+          </a:bodyPr>
+          <a:lstStyle/>
+          <a:p>
+            <a:r>
+              <a:rPr lang="en-US" sz="2400" dirty="0" err="1"/>
+              <a:t>Predicción</a:t>
+            </a:r>
+            <a:r>
+              <a:rPr lang="en-US" sz="2400" dirty="0"/>
+              <a:t> del </a:t>
+            </a:r>
+            <a:r>
+              <a:rPr lang="en-US" sz="2400" dirty="0" err="1"/>
+              <a:t>tiempo</a:t>
+            </a:r>
+            <a:endParaRPr lang="en-US" sz="2400" dirty="0"/>
+          </a:p>
+          <a:p>
+            <a:r>
+              <a:rPr lang="en-US" sz="2400" dirty="0" err="1"/>
+              <a:t>Comunidad</a:t>
+            </a:r>
+            <a:r>
+              <a:rPr lang="en-US" sz="2400" dirty="0"/>
+              <a:t> local</a:t>
+            </a:r>
+          </a:p>
+          <a:p>
+            <a:r>
+              <a:rPr lang="en-US" sz="2400" dirty="0" err="1"/>
+              <a:t>Estudia</a:t>
+            </a:r>
+            <a:r>
+              <a:rPr lang="en-US" sz="2400" dirty="0"/>
+              <a:t> </a:t>
+            </a:r>
+            <a:r>
+              <a:rPr lang="en-US" sz="2400" dirty="0" err="1"/>
+              <a:t>idioma</a:t>
+            </a:r>
+            <a:r>
+              <a:rPr lang="en-US" sz="2400" dirty="0"/>
+              <a:t> </a:t>
+            </a:r>
+            <a:r>
+              <a:rPr lang="en-US" sz="2400" dirty="0" err="1"/>
+              <a:t>extranjero</a:t>
+            </a:r>
+            <a:endParaRPr lang="en-US" sz="2400" dirty="0"/>
+          </a:p>
+          <a:p>
+            <a:r>
+              <a:rPr lang="en-US" sz="2400" dirty="0" err="1"/>
+              <a:t>Información</a:t>
+            </a:r>
+            <a:r>
+              <a:rPr lang="en-US" sz="2400" dirty="0"/>
+              <a:t> de la </a:t>
+            </a:r>
+            <a:r>
+              <a:rPr lang="en-US" sz="2400" dirty="0" err="1"/>
+              <a:t>tienda</a:t>
+            </a:r>
+            <a:r>
+              <a:rPr lang="en-US" sz="2400" dirty="0"/>
+              <a:t> y </a:t>
+            </a:r>
+            <a:r>
+              <a:rPr lang="en-US" sz="2400" dirty="0" err="1"/>
+              <a:t>pedido</a:t>
+            </a:r>
+            <a:r>
+              <a:rPr lang="en-US" sz="2400" dirty="0"/>
+              <a:t> </a:t>
+            </a:r>
+            <a:r>
+              <a:rPr lang="en-US" sz="2400" dirty="0" err="1"/>
+              <a:t>en</a:t>
+            </a:r>
+            <a:r>
+              <a:rPr lang="en-US" sz="2400" dirty="0"/>
+              <a:t> </a:t>
+            </a:r>
+            <a:r>
+              <a:rPr lang="en-US" sz="2400" dirty="0" err="1"/>
+              <a:t>línea</a:t>
+            </a:r>
+            <a:endParaRPr lang="en-US" sz="2400" dirty="0"/>
+          </a:p>
+          <a:p>
+            <a:r>
+              <a:rPr lang="en-US" sz="2400" dirty="0"/>
+              <a:t>Universidad de ITSP </a:t>
+            </a:r>
+            <a:r>
+              <a:rPr lang="en-US" sz="2400" dirty="0" err="1"/>
+              <a:t>ChatBot</a:t>
+            </a:r>
+            <a:endParaRPr lang="en-US" sz="2400" dirty="0"/>
+          </a:p>
+          <a:p>
+            <a:r>
+              <a:rPr lang="en-US" sz="2400" dirty="0" err="1"/>
+              <a:t>Folleto</a:t>
+            </a:r>
+            <a:r>
+              <a:rPr lang="en-US" sz="2400" dirty="0"/>
+              <a:t> </a:t>
+            </a:r>
+            <a:r>
+              <a:rPr lang="en-US" sz="2400" dirty="0" err="1"/>
+              <a:t>público</a:t>
+            </a:r>
+            <a:r>
+              <a:rPr lang="en-US" sz="2400" dirty="0"/>
+              <a:t> de la </a:t>
+            </a:r>
+            <a:r>
+              <a:rPr lang="en-US" sz="2400" dirty="0" err="1"/>
+              <a:t>comunidad</a:t>
+            </a:r>
+            <a:r>
+              <a:rPr lang="en-US" sz="2400" dirty="0"/>
+              <a:t> </a:t>
+            </a:r>
+            <a:r>
+              <a:rPr lang="en-US" sz="2400" dirty="0" err="1"/>
+              <a:t>Cheran</a:t>
+            </a:r>
+            <a:endParaRPr lang="en-US" sz="2400" dirty="0"/>
           </a:p>
         </p:txBody>
       </p:sp>
